--- a/Meli technical test solution.pptx
+++ b/Meli technical test solution.pptx
@@ -121,6 +121,11 @@
       </a:defRPr>
     </a:lvl9pPr>
   </p:defaultTextStyle>
+  <p:extLst>
+    <p:ext uri="{EFAFB233-063F-42B5-8137-9DF3F51BA10A}">
+      <p15:sldGuideLst xmlns:p15="http://schemas.microsoft.com/office/powerpoint/2012/main"/>
+    </p:ext>
+  </p:extLst>
 </p:presentation>
 </file>
 
@@ -137,7 +142,7 @@
   <pc:docChgLst>
     <pc:chgData name="William Uyasan Mayorga" userId="72ef3880-6595-4e9f-b40c-b887c30c2d1d" providerId="ADAL" clId="{874604ED-2A74-455F-AB29-15AB6EE3EE85}"/>
     <pc:docChg chg="undo custSel addSld delSld modSld sldOrd">
-      <pc:chgData name="William Uyasan Mayorga" userId="72ef3880-6595-4e9f-b40c-b887c30c2d1d" providerId="ADAL" clId="{874604ED-2A74-455F-AB29-15AB6EE3EE85}" dt="2024-10-06T23:39:55.299" v="5886" actId="1076"/>
+      <pc:chgData name="William Uyasan Mayorga" userId="72ef3880-6595-4e9f-b40c-b887c30c2d1d" providerId="ADAL" clId="{874604ED-2A74-455F-AB29-15AB6EE3EE85}" dt="2024-10-07T00:31:10.863" v="5918" actId="207"/>
       <pc:docMkLst>
         <pc:docMk/>
       </pc:docMkLst>
@@ -317,7 +322,7 @@
         </pc:picChg>
       </pc:sldChg>
       <pc:sldChg chg="modSp mod">
-        <pc:chgData name="William Uyasan Mayorga" userId="72ef3880-6595-4e9f-b40c-b887c30c2d1d" providerId="ADAL" clId="{874604ED-2A74-455F-AB29-15AB6EE3EE85}" dt="2024-10-06T19:57:16.830" v="454" actId="20577"/>
+        <pc:chgData name="William Uyasan Mayorga" userId="72ef3880-6595-4e9f-b40c-b887c30c2d1d" providerId="ADAL" clId="{874604ED-2A74-455F-AB29-15AB6EE3EE85}" dt="2024-10-07T00:31:10.863" v="5918" actId="207"/>
         <pc:sldMkLst>
           <pc:docMk/>
           <pc:sldMk cId="1690170270" sldId="306"/>
@@ -328,6 +333,14 @@
             <pc:docMk/>
             <pc:sldMk cId="1690170270" sldId="306"/>
             <ac:spMk id="2" creationId="{E9A0C7C4-0D9A-BB5B-04D3-70BA9A10372B}"/>
+          </ac:spMkLst>
+        </pc:spChg>
+        <pc:spChg chg="mod">
+          <ac:chgData name="William Uyasan Mayorga" userId="72ef3880-6595-4e9f-b40c-b887c30c2d1d" providerId="ADAL" clId="{874604ED-2A74-455F-AB29-15AB6EE3EE85}" dt="2024-10-07T00:31:10.863" v="5918" actId="207"/>
+          <ac:spMkLst>
+            <pc:docMk/>
+            <pc:sldMk cId="1690170270" sldId="306"/>
+            <ac:spMk id="5" creationId="{00696F57-F6F9-F91B-A321-226B0D6121CC}"/>
           </ac:spMkLst>
         </pc:spChg>
       </pc:sldChg>
@@ -8922,7 +8935,7 @@
         <p:spPr>
           <a:xfrm>
             <a:off x="248855" y="2131156"/>
-            <a:ext cx="11694290" cy="3785652"/>
+            <a:ext cx="11694290" cy="4278094"/>
           </a:xfrm>
           <a:prstGeom prst="rect">
             <a:avLst/>
@@ -9017,6 +9030,23 @@
             <a:endParaRPr lang="en-US" sz="1600" dirty="0"/>
           </a:p>
           <a:p>
+            <a:pPr marL="285750" indent="-285750">
+              <a:buFont typeface="Arial" panose="020B0604020202020204" pitchFamily="34" charset="0"/>
+              <a:buChar char="•"/>
+            </a:pPr>
+            <a:r>
+              <a:rPr lang="en-US" sz="1600" b="1" dirty="0">
+                <a:solidFill>
+                  <a:srgbClr val="FF0000"/>
+                </a:solidFill>
+              </a:rPr>
+              <a:t>https://github.com/willyuyasan/meli_dstest</a:t>
+            </a:r>
+          </a:p>
+          <a:p>
+            <a:endParaRPr lang="en-US" sz="1600" dirty="0"/>
+          </a:p>
+          <a:p>
             <a:r>
               <a:rPr lang="en-US" sz="1600" dirty="0"/>
               <a:t>Clone the repository and go to:</a:t>
@@ -9027,13 +9057,34 @@
           </a:p>
           <a:p>
             <a:r>
-              <a:rPr lang="en-US" sz="1600" dirty="0" err="1"/>
-              <a:t>Usados</a:t>
+              <a:rPr lang="en-US" sz="1600" b="1" dirty="0" err="1"/>
+              <a:t>meli_dstest</a:t>
             </a:r>
             <a:r>
               <a:rPr lang="en-US" sz="1600" dirty="0"/>
-              <a:t> -&gt; brain (and open the notebook)</a:t>
-            </a:r>
+              <a:t> -&gt; </a:t>
+            </a:r>
+            <a:r>
+              <a:rPr lang="en-US" sz="1600" b="1" dirty="0"/>
+              <a:t>brain</a:t>
+            </a:r>
+            <a:r>
+              <a:rPr lang="en-US" sz="1600" dirty="0"/>
+              <a:t> -&gt; </a:t>
+            </a:r>
+            <a:r>
+              <a:rPr lang="en-US" sz="1600" b="1" dirty="0" err="1">
+                <a:solidFill>
+                  <a:srgbClr val="00B050"/>
+                </a:solidFill>
+              </a:rPr>
+              <a:t>meli_test_solution.ipynb</a:t>
+            </a:r>
+            <a:endParaRPr lang="en-US" sz="1600" b="1" dirty="0">
+              <a:solidFill>
+                <a:srgbClr val="00B050"/>
+              </a:solidFill>
+            </a:endParaRPr>
           </a:p>
           <a:p>
             <a:endParaRPr lang="en-US" sz="1600" dirty="0"/>

--- a/Meli technical test solution.pptx
+++ b/Meli technical test solution.pptx
@@ -142,7 +142,7 @@
   <pc:docChgLst>
     <pc:chgData name="William Uyasan Mayorga" userId="72ef3880-6595-4e9f-b40c-b887c30c2d1d" providerId="ADAL" clId="{874604ED-2A74-455F-AB29-15AB6EE3EE85}"/>
     <pc:docChg chg="undo custSel addSld delSld modSld sldOrd">
-      <pc:chgData name="William Uyasan Mayorga" userId="72ef3880-6595-4e9f-b40c-b887c30c2d1d" providerId="ADAL" clId="{874604ED-2A74-455F-AB29-15AB6EE3EE85}" dt="2024-10-07T00:31:10.863" v="5918" actId="207"/>
+      <pc:chgData name="William Uyasan Mayorga" userId="72ef3880-6595-4e9f-b40c-b887c30c2d1d" providerId="ADAL" clId="{874604ED-2A74-455F-AB29-15AB6EE3EE85}" dt="2024-10-07T00:36:19.675" v="5928" actId="1076"/>
       <pc:docMkLst>
         <pc:docMk/>
       </pc:docMkLst>
@@ -472,7 +472,7 @@
         </pc:picChg>
       </pc:sldChg>
       <pc:sldChg chg="addSp delSp modSp add mod">
-        <pc:chgData name="William Uyasan Mayorga" userId="72ef3880-6595-4e9f-b40c-b887c30c2d1d" providerId="ADAL" clId="{874604ED-2A74-455F-AB29-15AB6EE3EE85}" dt="2024-10-06T23:39:55.299" v="5886" actId="1076"/>
+        <pc:chgData name="William Uyasan Mayorga" userId="72ef3880-6595-4e9f-b40c-b887c30c2d1d" providerId="ADAL" clId="{874604ED-2A74-455F-AB29-15AB6EE3EE85}" dt="2024-10-07T00:36:19.675" v="5928" actId="1076"/>
         <pc:sldMkLst>
           <pc:docMk/>
           <pc:sldMk cId="2779478426" sldId="308"/>
@@ -838,7 +838,7 @@
           </ac:spMkLst>
         </pc:spChg>
         <pc:spChg chg="add mod">
-          <ac:chgData name="William Uyasan Mayorga" userId="72ef3880-6595-4e9f-b40c-b887c30c2d1d" providerId="ADAL" clId="{874604ED-2A74-455F-AB29-15AB6EE3EE85}" dt="2024-10-06T23:39:05.365" v="5806" actId="1076"/>
+          <ac:chgData name="William Uyasan Mayorga" userId="72ef3880-6595-4e9f-b40c-b887c30c2d1d" providerId="ADAL" clId="{874604ED-2A74-455F-AB29-15AB6EE3EE85}" dt="2024-10-07T00:36:09.146" v="5924" actId="1076"/>
           <ac:spMkLst>
             <pc:docMk/>
             <pc:sldMk cId="2779478426" sldId="308"/>
@@ -886,7 +886,15 @@
           </ac:spMkLst>
         </pc:spChg>
         <pc:picChg chg="add mod">
-          <ac:chgData name="William Uyasan Mayorga" userId="72ef3880-6595-4e9f-b40c-b887c30c2d1d" providerId="ADAL" clId="{874604ED-2A74-455F-AB29-15AB6EE3EE85}" dt="2024-10-06T23:39:05.365" v="5806" actId="1076"/>
+          <ac:chgData name="William Uyasan Mayorga" userId="72ef3880-6595-4e9f-b40c-b887c30c2d1d" providerId="ADAL" clId="{874604ED-2A74-455F-AB29-15AB6EE3EE85}" dt="2024-10-07T00:36:19.675" v="5928" actId="1076"/>
+          <ac:picMkLst>
+            <pc:docMk/>
+            <pc:sldMk cId="2779478426" sldId="308"/>
+            <ac:picMk id="4" creationId="{5A43663E-D067-EEAE-64BD-8C682B993AC7}"/>
+          </ac:picMkLst>
+        </pc:picChg>
+        <pc:picChg chg="add mod">
+          <ac:chgData name="William Uyasan Mayorga" userId="72ef3880-6595-4e9f-b40c-b887c30c2d1d" providerId="ADAL" clId="{874604ED-2A74-455F-AB29-15AB6EE3EE85}" dt="2024-10-07T00:36:11.155" v="5925" actId="1076"/>
           <ac:picMkLst>
             <pc:docMk/>
             <pc:sldMk cId="2779478426" sldId="308"/>
@@ -10788,8 +10796,8 @@
         </p:blipFill>
         <p:spPr>
           <a:xfrm>
-            <a:off x="7944864" y="2435552"/>
-            <a:ext cx="3533266" cy="3223650"/>
+            <a:off x="8681994" y="1753976"/>
+            <a:ext cx="2166699" cy="1976834"/>
           </a:xfrm>
           <a:prstGeom prst="rect">
             <a:avLst/>
@@ -10810,7 +10818,7 @@
         </p:nvSpPr>
         <p:spPr>
           <a:xfrm>
-            <a:off x="7979740" y="1264064"/>
+            <a:off x="8835596" y="802399"/>
             <a:ext cx="4026195" cy="923330"/>
           </a:xfrm>
           <a:prstGeom prst="rect">
@@ -11037,6 +11045,36 @@
           </a:p>
         </p:txBody>
       </p:sp>
+      <p:pic>
+        <p:nvPicPr>
+          <p:cNvPr id="4" name="Imagen 3">
+            <a:extLst>
+              <a:ext uri="{FF2B5EF4-FFF2-40B4-BE49-F238E27FC236}">
+                <a16:creationId xmlns:a16="http://schemas.microsoft.com/office/drawing/2014/main" id="{5A43663E-D067-EEAE-64BD-8C682B993AC7}"/>
+              </a:ext>
+            </a:extLst>
+          </p:cNvPr>
+          <p:cNvPicPr>
+            <a:picLocks noChangeAspect="1"/>
+          </p:cNvPicPr>
+          <p:nvPr/>
+        </p:nvPicPr>
+        <p:blipFill>
+          <a:blip r:embed="rId3"/>
+          <a:stretch>
+            <a:fillRect/>
+          </a:stretch>
+        </p:blipFill>
+        <p:spPr>
+          <a:xfrm>
+            <a:off x="8542140" y="3938631"/>
+            <a:ext cx="2400010" cy="1688183"/>
+          </a:xfrm>
+          <a:prstGeom prst="rect">
+            <a:avLst/>
+          </a:prstGeom>
+        </p:spPr>
+      </p:pic>
     </p:spTree>
     <p:extLst>
       <p:ext uri="{BB962C8B-B14F-4D97-AF65-F5344CB8AC3E}">
